--- a/Presentation.pptx
+++ b/Presentation.pptx
@@ -9,6 +9,8 @@
     <p:sldId id="257" r:id="rId3"/>
     <p:sldId id="258" r:id="rId4"/>
     <p:sldId id="259" r:id="rId5"/>
+    <p:sldId id="261" r:id="rId6"/>
+    <p:sldId id="260" r:id="rId7"/>
   </p:sldIdLst>
   <p:sldSz cx="12192000" cy="6858000"/>
   <p:notesSz cx="6858000" cy="9144000"/>
@@ -107,6 +109,11 @@
       </a:defRPr>
     </a:lvl9pPr>
   </p:defaultTextStyle>
+  <p:extLst>
+    <p:ext uri="{EFAFB233-063F-42B5-8137-9DF3F51BA10A}">
+      <p15:sldGuideLst xmlns:p15="http://schemas.microsoft.com/office/powerpoint/2012/main"/>
+    </p:ext>
+  </p:extLst>
 </p:presentation>
 </file>
 
@@ -3367,17 +3374,17 @@
           <a:lstStyle/>
           <a:p>
             <a:r>
-              <a:rPr lang="en-US" dirty="0"/>
+              <a:rPr lang="en-US" b="1" dirty="0"/>
               <a:t>Final Project</a:t>
             </a:r>
             <a:br>
-              <a:rPr lang="en-US" dirty="0"/>
+              <a:rPr lang="en-US" b="1" dirty="0"/>
             </a:br>
             <a:r>
-              <a:rPr lang="en-US" dirty="0"/>
+              <a:rPr lang="en-US" b="1" dirty="0"/>
               <a:t>Stock Price Prediction</a:t>
             </a:r>
-            <a:endParaRPr lang="en-CA" dirty="0"/>
+            <a:endParaRPr lang="en-CA" b="1" dirty="0"/>
           </a:p>
         </p:txBody>
       </p:sp>
@@ -3864,6 +3871,299 @@
     <p:extLst>
       <p:ext uri="{BB962C8B-B14F-4D97-AF65-F5344CB8AC3E}">
         <p14:creationId xmlns:p14="http://schemas.microsoft.com/office/powerpoint/2010/main" val="3431865562"/>
+      </p:ext>
+    </p:extLst>
+  </p:cSld>
+  <p:clrMapOvr>
+    <a:masterClrMapping/>
+  </p:clrMapOvr>
+</p:sld>
+</file>
+
+<file path=ppt/slides/slide5.xml><?xml version="1.0" encoding="utf-8"?>
+<p:sld xmlns:a="http://schemas.openxmlformats.org/drawingml/2006/main" xmlns:r="http://schemas.openxmlformats.org/officeDocument/2006/relationships" xmlns:p="http://schemas.openxmlformats.org/presentationml/2006/main">
+  <p:cSld>
+    <p:spTree>
+      <p:nvGrpSpPr>
+        <p:cNvPr id="1" name=""/>
+        <p:cNvGrpSpPr/>
+        <p:nvPr/>
+      </p:nvGrpSpPr>
+      <p:grpSpPr>
+        <a:xfrm>
+          <a:off x="0" y="0"/>
+          <a:ext cx="0" cy="0"/>
+          <a:chOff x="0" y="0"/>
+          <a:chExt cx="0" cy="0"/>
+        </a:xfrm>
+      </p:grpSpPr>
+      <p:sp>
+        <p:nvSpPr>
+          <p:cNvPr id="2" name="Title 1">
+            <a:extLst>
+              <a:ext uri="{FF2B5EF4-FFF2-40B4-BE49-F238E27FC236}">
+                <a16:creationId xmlns:a16="http://schemas.microsoft.com/office/drawing/2014/main" id="{329F8FD1-C3AD-4637-86FD-939FB68A7174}"/>
+              </a:ext>
+            </a:extLst>
+          </p:cNvPr>
+          <p:cNvSpPr>
+            <a:spLocks noGrp="1"/>
+          </p:cNvSpPr>
+          <p:nvPr>
+            <p:ph type="title"/>
+          </p:nvPr>
+        </p:nvSpPr>
+        <p:spPr/>
+        <p:txBody>
+          <a:bodyPr/>
+          <a:lstStyle/>
+          <a:p>
+            <a:endParaRPr lang="en-CA"/>
+          </a:p>
+        </p:txBody>
+      </p:sp>
+      <p:sp>
+        <p:nvSpPr>
+          <p:cNvPr id="3" name="Content Placeholder 2">
+            <a:extLst>
+              <a:ext uri="{FF2B5EF4-FFF2-40B4-BE49-F238E27FC236}">
+                <a16:creationId xmlns:a16="http://schemas.microsoft.com/office/drawing/2014/main" id="{45C557B7-3055-4B54-BC18-B4952A283689}"/>
+              </a:ext>
+            </a:extLst>
+          </p:cNvPr>
+          <p:cNvSpPr>
+            <a:spLocks noGrp="1"/>
+          </p:cNvSpPr>
+          <p:nvPr>
+            <p:ph idx="1"/>
+          </p:nvPr>
+        </p:nvSpPr>
+        <p:spPr/>
+        <p:txBody>
+          <a:bodyPr/>
+          <a:lstStyle/>
+          <a:p>
+            <a:r>
+              <a:rPr lang="en-US" dirty="0"/>
+              <a:t>This </a:t>
+            </a:r>
+            <a:r>
+              <a:rPr lang="en-US" dirty="0" err="1"/>
+              <a:t>preditionThis</a:t>
+            </a:r>
+            <a:r>
+              <a:rPr lang="en-US" dirty="0"/>
+              <a:t> </a:t>
+            </a:r>
+            <a:r>
+              <a:rPr lang="en-US" dirty="0" err="1"/>
+              <a:t>predition</a:t>
+            </a:r>
+            <a:r>
+              <a:rPr lang="en-US" dirty="0"/>
+              <a:t> is achieved by fitting the model to the training </a:t>
+            </a:r>
+            <a:r>
+              <a:rPr lang="en-US" dirty="0" smtClean="0"/>
+              <a:t>data</a:t>
+            </a:r>
+          </a:p>
+          <a:p>
+            <a:endParaRPr lang="en-US" dirty="0"/>
+          </a:p>
+          <a:p>
+            <a:endParaRPr lang="en-CA" dirty="0"/>
+          </a:p>
+          <a:p>
+            <a:r>
+              <a:rPr lang="en-US" dirty="0" smtClean="0"/>
+              <a:t> The data frame for future dates are made for forecasting via </a:t>
+            </a:r>
+            <a:r>
+              <a:rPr lang="en-US" u="sng" dirty="0" err="1" smtClean="0"/>
+              <a:t>make_future_dataframe</a:t>
+            </a:r>
+            <a:r>
+              <a:rPr lang="en-US" dirty="0" smtClean="0"/>
+              <a:t> function</a:t>
+            </a:r>
+          </a:p>
+          <a:p>
+            <a:endParaRPr lang="en-CA" dirty="0"/>
+          </a:p>
+        </p:txBody>
+      </p:sp>
+      <p:pic>
+        <p:nvPicPr>
+          <p:cNvPr id="5" name="Picture 4"/>
+          <p:cNvPicPr>
+            <a:picLocks noChangeAspect="1"/>
+          </p:cNvPicPr>
+          <p:nvPr/>
+        </p:nvPicPr>
+        <p:blipFill>
+          <a:blip r:embed="rId2"/>
+          <a:stretch>
+            <a:fillRect/>
+          </a:stretch>
+        </p:blipFill>
+        <p:spPr>
+          <a:xfrm>
+            <a:off x="3514358" y="2465021"/>
+            <a:ext cx="3381375" cy="1162050"/>
+          </a:xfrm>
+          <a:prstGeom prst="rect">
+            <a:avLst/>
+          </a:prstGeom>
+        </p:spPr>
+      </p:pic>
+      <p:pic>
+        <p:nvPicPr>
+          <p:cNvPr id="6" name="Picture 5"/>
+          <p:cNvPicPr>
+            <a:picLocks noChangeAspect="1"/>
+          </p:cNvPicPr>
+          <p:nvPr/>
+        </p:nvPicPr>
+        <p:blipFill>
+          <a:blip r:embed="rId3"/>
+          <a:stretch>
+            <a:fillRect/>
+          </a:stretch>
+        </p:blipFill>
+        <p:spPr>
+          <a:xfrm>
+            <a:off x="2135431" y="4608879"/>
+            <a:ext cx="6467475" cy="1047750"/>
+          </a:xfrm>
+          <a:prstGeom prst="rect">
+            <a:avLst/>
+          </a:prstGeom>
+        </p:spPr>
+      </p:pic>
+    </p:spTree>
+    <p:extLst>
+      <p:ext uri="{BB962C8B-B14F-4D97-AF65-F5344CB8AC3E}">
+        <p14:creationId xmlns:p14="http://schemas.microsoft.com/office/powerpoint/2010/main" val="1817260867"/>
+      </p:ext>
+    </p:extLst>
+  </p:cSld>
+  <p:clrMapOvr>
+    <a:masterClrMapping/>
+  </p:clrMapOvr>
+</p:sld>
+</file>
+
+<file path=ppt/slides/slide6.xml><?xml version="1.0" encoding="utf-8"?>
+<p:sld xmlns:a="http://schemas.openxmlformats.org/drawingml/2006/main" xmlns:r="http://schemas.openxmlformats.org/officeDocument/2006/relationships" xmlns:p="http://schemas.openxmlformats.org/presentationml/2006/main">
+  <p:cSld>
+    <p:spTree>
+      <p:nvGrpSpPr>
+        <p:cNvPr id="1" name=""/>
+        <p:cNvGrpSpPr/>
+        <p:nvPr/>
+      </p:nvGrpSpPr>
+      <p:grpSpPr>
+        <a:xfrm>
+          <a:off x="0" y="0"/>
+          <a:ext cx="0" cy="0"/>
+          <a:chOff x="0" y="0"/>
+          <a:chExt cx="0" cy="0"/>
+        </a:xfrm>
+      </p:grpSpPr>
+      <p:sp>
+        <p:nvSpPr>
+          <p:cNvPr id="2" name="Title 1">
+            <a:extLst>
+              <a:ext uri="{FF2B5EF4-FFF2-40B4-BE49-F238E27FC236}">
+                <a16:creationId xmlns:a16="http://schemas.microsoft.com/office/drawing/2014/main" id="{329F8FD1-C3AD-4637-86FD-939FB68A7174}"/>
+              </a:ext>
+            </a:extLst>
+          </p:cNvPr>
+          <p:cNvSpPr>
+            <a:spLocks noGrp="1"/>
+          </p:cNvSpPr>
+          <p:nvPr>
+            <p:ph type="title"/>
+          </p:nvPr>
+        </p:nvSpPr>
+        <p:spPr/>
+        <p:txBody>
+          <a:bodyPr/>
+          <a:lstStyle/>
+          <a:p>
+            <a:endParaRPr lang="en-CA"/>
+          </a:p>
+        </p:txBody>
+      </p:sp>
+      <p:sp>
+        <p:nvSpPr>
+          <p:cNvPr id="3" name="Content Placeholder 2">
+            <a:extLst>
+              <a:ext uri="{FF2B5EF4-FFF2-40B4-BE49-F238E27FC236}">
+                <a16:creationId xmlns:a16="http://schemas.microsoft.com/office/drawing/2014/main" id="{45C557B7-3055-4B54-BC18-B4952A283689}"/>
+              </a:ext>
+            </a:extLst>
+          </p:cNvPr>
+          <p:cNvSpPr>
+            <a:spLocks noGrp="1"/>
+          </p:cNvSpPr>
+          <p:nvPr>
+            <p:ph idx="1"/>
+          </p:nvPr>
+        </p:nvSpPr>
+        <p:spPr/>
+        <p:txBody>
+          <a:bodyPr/>
+          <a:lstStyle/>
+          <a:p>
+            <a:r>
+              <a:rPr lang="en-US" dirty="0" err="1" smtClean="0"/>
+              <a:t>Matplotlib</a:t>
+            </a:r>
+            <a:r>
+              <a:rPr lang="en-US" dirty="0" smtClean="0"/>
+              <a:t> is used for drawing the </a:t>
+            </a:r>
+            <a:r>
+              <a:rPr lang="en-US" smtClean="0"/>
+              <a:t>predicted plots</a:t>
+            </a:r>
+            <a:endParaRPr lang="en-US" dirty="0"/>
+          </a:p>
+          <a:p>
+            <a:endParaRPr lang="en-CA" dirty="0"/>
+          </a:p>
+        </p:txBody>
+      </p:sp>
+      <p:pic>
+        <p:nvPicPr>
+          <p:cNvPr id="5" name="Picture 4"/>
+          <p:cNvPicPr>
+            <a:picLocks noChangeAspect="1"/>
+          </p:cNvPicPr>
+          <p:nvPr/>
+        </p:nvPicPr>
+        <p:blipFill>
+          <a:blip r:embed="rId2"/>
+          <a:stretch>
+            <a:fillRect/>
+          </a:stretch>
+        </p:blipFill>
+        <p:spPr>
+          <a:xfrm>
+            <a:off x="3329598" y="2219568"/>
+            <a:ext cx="5048250" cy="4638431"/>
+          </a:xfrm>
+          <a:prstGeom prst="rect">
+            <a:avLst/>
+          </a:prstGeom>
+        </p:spPr>
+      </p:pic>
+    </p:spTree>
+    <p:extLst>
+      <p:ext uri="{BB962C8B-B14F-4D97-AF65-F5344CB8AC3E}">
+        <p14:creationId xmlns:p14="http://schemas.microsoft.com/office/powerpoint/2010/main" val="479429189"/>
       </p:ext>
     </p:extLst>
   </p:cSld>

--- a/Presentation.pptx
+++ b/Presentation.pptx
@@ -11,6 +11,7 @@
     <p:sldId id="259" r:id="rId5"/>
     <p:sldId id="261" r:id="rId6"/>
     <p:sldId id="260" r:id="rId7"/>
+    <p:sldId id="262" r:id="rId8"/>
   </p:sldIdLst>
   <p:sldSz cx="12192000" cy="6858000"/>
   <p:notesSz cx="6858000" cy="9144000"/>
@@ -4173,6 +4174,142 @@
 </p:sld>
 </file>
 
+<file path=ppt/slides/slide7.xml><?xml version="1.0" encoding="utf-8"?>
+<p:sld xmlns:a="http://schemas.openxmlformats.org/drawingml/2006/main" xmlns:r="http://schemas.openxmlformats.org/officeDocument/2006/relationships" xmlns:p="http://schemas.openxmlformats.org/presentationml/2006/main">
+  <p:cSld>
+    <p:spTree>
+      <p:nvGrpSpPr>
+        <p:cNvPr id="1" name=""/>
+        <p:cNvGrpSpPr/>
+        <p:nvPr/>
+      </p:nvGrpSpPr>
+      <p:grpSpPr>
+        <a:xfrm>
+          <a:off x="0" y="0"/>
+          <a:ext cx="0" cy="0"/>
+          <a:chOff x="0" y="0"/>
+          <a:chExt cx="0" cy="0"/>
+        </a:xfrm>
+      </p:grpSpPr>
+      <p:sp>
+        <p:nvSpPr>
+          <p:cNvPr id="2" name="Title 1">
+            <a:extLst>
+              <a:ext uri="{FF2B5EF4-FFF2-40B4-BE49-F238E27FC236}">
+                <a16:creationId xmlns:a16="http://schemas.microsoft.com/office/drawing/2014/main" id="{329F8FD1-C3AD-4637-86FD-939FB68A7174}"/>
+              </a:ext>
+            </a:extLst>
+          </p:cNvPr>
+          <p:cNvSpPr>
+            <a:spLocks noGrp="1"/>
+          </p:cNvSpPr>
+          <p:nvPr>
+            <p:ph type="title"/>
+          </p:nvPr>
+        </p:nvSpPr>
+        <p:spPr/>
+        <p:txBody>
+          <a:bodyPr/>
+          <a:lstStyle/>
+          <a:p>
+            <a:endParaRPr lang="en-CA"/>
+          </a:p>
+        </p:txBody>
+      </p:sp>
+      <p:sp>
+        <p:nvSpPr>
+          <p:cNvPr id="3" name="Content Placeholder 2">
+            <a:extLst>
+              <a:ext uri="{FF2B5EF4-FFF2-40B4-BE49-F238E27FC236}">
+                <a16:creationId xmlns:a16="http://schemas.microsoft.com/office/drawing/2014/main" id="{45C557B7-3055-4B54-BC18-B4952A283689}"/>
+              </a:ext>
+            </a:extLst>
+          </p:cNvPr>
+          <p:cNvSpPr>
+            <a:spLocks noGrp="1"/>
+          </p:cNvSpPr>
+          <p:nvPr>
+            <p:ph idx="1"/>
+          </p:nvPr>
+        </p:nvSpPr>
+        <p:spPr/>
+        <p:txBody>
+          <a:bodyPr/>
+          <a:lstStyle/>
+          <a:p>
+            <a:r>
+              <a:rPr lang="en-US" dirty="0" smtClean="0"/>
+              <a:t>In this project we use two html file, one Flask/</a:t>
+            </a:r>
+            <a:r>
+              <a:rPr lang="en-US" dirty="0" err="1" smtClean="0"/>
+              <a:t>py</a:t>
+            </a:r>
+            <a:r>
+              <a:rPr lang="en-US" dirty="0" smtClean="0"/>
+              <a:t> and one </a:t>
+            </a:r>
+            <a:r>
+              <a:rPr lang="en-US" dirty="0" err="1" smtClean="0"/>
+              <a:t>js</a:t>
+            </a:r>
+            <a:r>
+              <a:rPr lang="en-US" dirty="0" smtClean="0"/>
+              <a:t> file</a:t>
+            </a:r>
+          </a:p>
+          <a:p>
+            <a:r>
+              <a:rPr lang="en-US" dirty="0" smtClean="0"/>
+              <a:t>Index.html is for the main page of the project, and stock-info.html is the file for presenting the Financial report of the stock.</a:t>
+            </a:r>
+            <a:endParaRPr lang="en-US" dirty="0"/>
+          </a:p>
+          <a:p>
+            <a:pPr marL="0" indent="0">
+              <a:buNone/>
+            </a:pPr>
+            <a:endParaRPr lang="en-CA" dirty="0"/>
+          </a:p>
+        </p:txBody>
+      </p:sp>
+      <p:pic>
+        <p:nvPicPr>
+          <p:cNvPr id="4" name="Picture 3"/>
+          <p:cNvPicPr>
+            <a:picLocks noChangeAspect="1"/>
+          </p:cNvPicPr>
+          <p:nvPr/>
+        </p:nvPicPr>
+        <p:blipFill>
+          <a:blip r:embed="rId2"/>
+          <a:stretch>
+            <a:fillRect/>
+          </a:stretch>
+        </p:blipFill>
+        <p:spPr>
+          <a:xfrm>
+            <a:off x="4728465" y="3077622"/>
+            <a:ext cx="2333625" cy="3780378"/>
+          </a:xfrm>
+          <a:prstGeom prst="rect">
+            <a:avLst/>
+          </a:prstGeom>
+        </p:spPr>
+      </p:pic>
+    </p:spTree>
+    <p:extLst>
+      <p:ext uri="{BB962C8B-B14F-4D97-AF65-F5344CB8AC3E}">
+        <p14:creationId xmlns:p14="http://schemas.microsoft.com/office/powerpoint/2010/main" val="517977631"/>
+      </p:ext>
+    </p:extLst>
+  </p:cSld>
+  <p:clrMapOvr>
+    <a:masterClrMapping/>
+  </p:clrMapOvr>
+</p:sld>
+</file>
+
 <file path=ppt/theme/theme1.xml><?xml version="1.0" encoding="utf-8"?>
 <a:theme xmlns:a="http://schemas.openxmlformats.org/drawingml/2006/main" name="Office Theme">
   <a:themeElements>

--- a/Presentation.pptx
+++ b/Presentation.pptx
@@ -12,6 +12,7 @@
     <p:sldId id="261" r:id="rId6"/>
     <p:sldId id="260" r:id="rId7"/>
     <p:sldId id="262" r:id="rId8"/>
+    <p:sldId id="263" r:id="rId9"/>
   </p:sldIdLst>
   <p:sldSz cx="12192000" cy="6858000"/>
   <p:notesSz cx="6858000" cy="9144000"/>
@@ -4310,6 +4311,74 @@
 </p:sld>
 </file>
 
+<file path=ppt/slides/slide8.xml><?xml version="1.0" encoding="utf-8"?>
+<p:sld xmlns:a="http://schemas.openxmlformats.org/drawingml/2006/main" xmlns:r="http://schemas.openxmlformats.org/officeDocument/2006/relationships" xmlns:p="http://schemas.openxmlformats.org/presentationml/2006/main">
+  <p:cSld>
+    <p:spTree>
+      <p:nvGrpSpPr>
+        <p:cNvPr id="1" name=""/>
+        <p:cNvGrpSpPr/>
+        <p:nvPr/>
+      </p:nvGrpSpPr>
+      <p:grpSpPr>
+        <a:xfrm>
+          <a:off x="0" y="0"/>
+          <a:ext cx="0" cy="0"/>
+          <a:chOff x="0" y="0"/>
+          <a:chExt cx="0" cy="0"/>
+        </a:xfrm>
+      </p:grpSpPr>
+      <p:sp>
+        <p:nvSpPr>
+          <p:cNvPr id="2" name="Title 1"/>
+          <p:cNvSpPr>
+            <a:spLocks noGrp="1"/>
+          </p:cNvSpPr>
+          <p:nvPr>
+            <p:ph type="title"/>
+          </p:nvPr>
+        </p:nvSpPr>
+        <p:spPr/>
+        <p:txBody>
+          <a:bodyPr/>
+          <a:lstStyle/>
+          <a:p>
+            <a:endParaRPr lang="en-US"/>
+          </a:p>
+        </p:txBody>
+      </p:sp>
+      <p:sp>
+        <p:nvSpPr>
+          <p:cNvPr id="3" name="Content Placeholder 2"/>
+          <p:cNvSpPr>
+            <a:spLocks noGrp="1"/>
+          </p:cNvSpPr>
+          <p:nvPr>
+            <p:ph idx="1"/>
+          </p:nvPr>
+        </p:nvSpPr>
+        <p:spPr/>
+        <p:txBody>
+          <a:bodyPr/>
+          <a:lstStyle/>
+          <a:p>
+            <a:endParaRPr lang="en-US" dirty="0"/>
+          </a:p>
+        </p:txBody>
+      </p:sp>
+    </p:spTree>
+    <p:extLst>
+      <p:ext uri="{BB962C8B-B14F-4D97-AF65-F5344CB8AC3E}">
+        <p14:creationId xmlns:p14="http://schemas.microsoft.com/office/powerpoint/2010/main" val="1286485135"/>
+      </p:ext>
+    </p:extLst>
+  </p:cSld>
+  <p:clrMapOvr>
+    <a:masterClrMapping/>
+  </p:clrMapOvr>
+</p:sld>
+</file>
+
 <file path=ppt/theme/theme1.xml><?xml version="1.0" encoding="utf-8"?>
 <a:theme xmlns:a="http://schemas.openxmlformats.org/drawingml/2006/main" name="Office Theme">
   <a:themeElements>

--- a/Presentation.pptx
+++ b/Presentation.pptx
@@ -13,6 +13,7 @@
     <p:sldId id="260" r:id="rId7"/>
     <p:sldId id="262" r:id="rId8"/>
     <p:sldId id="263" r:id="rId9"/>
+    <p:sldId id="264" r:id="rId10"/>
   </p:sldIdLst>
   <p:sldSz cx="12192000" cy="6858000"/>
   <p:notesSz cx="6858000" cy="9144000"/>
@@ -3409,41 +3410,67 @@
         <p:spPr/>
         <p:txBody>
           <a:bodyPr>
-            <a:normAutofit lnSpcReduction="10000"/>
+            <a:normAutofit fontScale="77500" lnSpcReduction="20000"/>
           </a:bodyPr>
           <a:lstStyle/>
           <a:p>
             <a:r>
-              <a:rPr lang="en-US" dirty="0"/>
-              <a:t>By: </a:t>
-            </a:r>
-            <a:r>
-              <a:rPr lang="en-US" dirty="0" err="1"/>
+              <a:rPr lang="en-US" b="1" dirty="0" smtClean="0"/>
+              <a:t>Contributors:</a:t>
+            </a:r>
+          </a:p>
+          <a:p>
+            <a:r>
+              <a:rPr lang="en-US" b="1" dirty="0" err="1" smtClean="0"/>
               <a:t>Loic</a:t>
             </a:r>
-            <a:endParaRPr lang="en-US" dirty="0"/>
-          </a:p>
-          <a:p>
-            <a:r>
-              <a:rPr lang="en-US" dirty="0"/>
+            <a:endParaRPr lang="en-US" b="1" dirty="0"/>
+          </a:p>
+          <a:p>
+            <a:r>
+              <a:rPr lang="en-US" b="1" dirty="0"/>
               <a:t>Ahmad</a:t>
             </a:r>
           </a:p>
           <a:p>
             <a:r>
-              <a:rPr lang="en-US" dirty="0"/>
+              <a:rPr lang="en-US" b="1" dirty="0"/>
               <a:t>Hamid</a:t>
             </a:r>
           </a:p>
           <a:p>
             <a:r>
-              <a:rPr lang="en-US" dirty="0"/>
+              <a:rPr lang="en-US" b="1" dirty="0"/>
               <a:t>Hazim Hamadneh</a:t>
             </a:r>
-            <a:endParaRPr lang="en-CA" dirty="0"/>
-          </a:p>
-        </p:txBody>
-      </p:sp>
+            <a:endParaRPr lang="en-CA" b="1" dirty="0"/>
+          </a:p>
+        </p:txBody>
+      </p:sp>
+      <p:pic>
+        <p:nvPicPr>
+          <p:cNvPr id="4" name="Picture 3"/>
+          <p:cNvPicPr>
+            <a:picLocks noChangeAspect="1"/>
+          </p:cNvPicPr>
+          <p:nvPr/>
+        </p:nvPicPr>
+        <p:blipFill>
+          <a:blip r:embed="rId2"/>
+          <a:stretch>
+            <a:fillRect/>
+          </a:stretch>
+        </p:blipFill>
+        <p:spPr>
+          <a:xfrm>
+            <a:off x="185157" y="128589"/>
+            <a:ext cx="2847975" cy="2308290"/>
+          </a:xfrm>
+          <a:prstGeom prst="rect">
+            <a:avLst/>
+          </a:prstGeom>
+        </p:spPr>
+      </p:pic>
     </p:spTree>
     <p:extLst>
       <p:ext uri="{BB962C8B-B14F-4D97-AF65-F5344CB8AC3E}">
@@ -3500,7 +3527,11 @@
           <a:bodyPr/>
           <a:lstStyle/>
           <a:p>
-            <a:endParaRPr lang="en-CA" dirty="0"/>
+            <a:r>
+              <a:rPr lang="en-CA" b="1" dirty="0" smtClean="0"/>
+              <a:t>Purpose:</a:t>
+            </a:r>
+            <a:endParaRPr lang="en-CA" b="1" dirty="0"/>
           </a:p>
         </p:txBody>
       </p:sp>
@@ -3575,6 +3606,30 @@
           </a:p>
         </p:txBody>
       </p:sp>
+      <p:pic>
+        <p:nvPicPr>
+          <p:cNvPr id="5" name="Picture 4"/>
+          <p:cNvPicPr>
+            <a:picLocks noChangeAspect="1"/>
+          </p:cNvPicPr>
+          <p:nvPr/>
+        </p:nvPicPr>
+        <p:blipFill>
+          <a:blip r:embed="rId2"/>
+          <a:stretch>
+            <a:fillRect/>
+          </a:stretch>
+        </p:blipFill>
+        <p:spPr>
+          <a:xfrm>
+            <a:off x="8585044" y="582710"/>
+            <a:ext cx="2247900" cy="1057275"/>
+          </a:xfrm>
+          <a:prstGeom prst="rect">
+            <a:avLst/>
+          </a:prstGeom>
+        </p:spPr>
+      </p:pic>
     </p:spTree>
     <p:extLst>
       <p:ext uri="{BB962C8B-B14F-4D97-AF65-F5344CB8AC3E}">
@@ -3626,7 +3681,11 @@
           <a:bodyPr/>
           <a:lstStyle/>
           <a:p>
-            <a:endParaRPr lang="en-CA"/>
+            <a:r>
+              <a:rPr lang="en-CA" b="1" dirty="0" smtClean="0"/>
+              <a:t>Approach:</a:t>
+            </a:r>
+            <a:endParaRPr lang="en-CA" b="1" dirty="0"/>
           </a:p>
         </p:txBody>
       </p:sp>
@@ -3739,6 +3798,30 @@
           <a:xfrm>
             <a:off x="2048974" y="5167313"/>
             <a:ext cx="6729266" cy="1009650"/>
+          </a:xfrm>
+          <a:prstGeom prst="rect">
+            <a:avLst/>
+          </a:prstGeom>
+        </p:spPr>
+      </p:pic>
+      <p:pic>
+        <p:nvPicPr>
+          <p:cNvPr id="4" name="Picture 3"/>
+          <p:cNvPicPr>
+            <a:picLocks noChangeAspect="1"/>
+          </p:cNvPicPr>
+          <p:nvPr/>
+        </p:nvPicPr>
+        <p:blipFill>
+          <a:blip r:embed="rId3"/>
+          <a:stretch>
+            <a:fillRect/>
+          </a:stretch>
+        </p:blipFill>
+        <p:spPr>
+          <a:xfrm>
+            <a:off x="9010186" y="230188"/>
+            <a:ext cx="1752600" cy="1390650"/>
           </a:xfrm>
           <a:prstGeom prst="rect">
             <a:avLst/>
@@ -3796,7 +3879,11 @@
           <a:bodyPr/>
           <a:lstStyle/>
           <a:p>
-            <a:endParaRPr lang="en-CA"/>
+            <a:r>
+              <a:rPr lang="en-CA" b="1" dirty="0" smtClean="0"/>
+              <a:t>Approach:</a:t>
+            </a:r>
+            <a:endParaRPr lang="en-CA" b="1" dirty="0"/>
           </a:p>
         </p:txBody>
       </p:sp>
@@ -3863,6 +3950,30 @@
           <a:xfrm>
             <a:off x="3104783" y="2407480"/>
             <a:ext cx="5419725" cy="3562350"/>
+          </a:xfrm>
+          <a:prstGeom prst="rect">
+            <a:avLst/>
+          </a:prstGeom>
+        </p:spPr>
+      </p:pic>
+      <p:pic>
+        <p:nvPicPr>
+          <p:cNvPr id="5" name="Picture 4"/>
+          <p:cNvPicPr>
+            <a:picLocks noChangeAspect="1"/>
+          </p:cNvPicPr>
+          <p:nvPr/>
+        </p:nvPicPr>
+        <p:blipFill>
+          <a:blip r:embed="rId3"/>
+          <a:stretch>
+            <a:fillRect/>
+          </a:stretch>
+        </p:blipFill>
+        <p:spPr>
+          <a:xfrm>
+            <a:off x="9266664" y="230188"/>
+            <a:ext cx="1752600" cy="1390650"/>
           </a:xfrm>
           <a:prstGeom prst="rect">
             <a:avLst/>
@@ -3920,7 +4031,11 @@
           <a:bodyPr/>
           <a:lstStyle/>
           <a:p>
-            <a:endParaRPr lang="en-CA"/>
+            <a:r>
+              <a:rPr lang="en-CA" b="1" dirty="0" smtClean="0"/>
+              <a:t>Prediction:</a:t>
+            </a:r>
+            <a:endParaRPr lang="en-CA" b="1" dirty="0"/>
           </a:p>
         </p:txBody>
       </p:sp>
@@ -3950,20 +4065,16 @@
               <a:t>This </a:t>
             </a:r>
             <a:r>
-              <a:rPr lang="en-US" dirty="0" err="1"/>
-              <a:t>preditionThis</a:t>
+              <a:rPr lang="en-US" dirty="0" err="1" smtClean="0"/>
+              <a:t>predition</a:t>
+            </a:r>
+            <a:r>
+              <a:rPr lang="en-US" dirty="0" smtClean="0"/>
+              <a:t> is </a:t>
             </a:r>
             <a:r>
               <a:rPr lang="en-US" dirty="0"/>
-              <a:t> </a:t>
-            </a:r>
-            <a:r>
-              <a:rPr lang="en-US" dirty="0" err="1"/>
-              <a:t>predition</a:t>
-            </a:r>
-            <a:r>
-              <a:rPr lang="en-US" dirty="0"/>
-              <a:t> is achieved by fitting the model to the training </a:t>
+              <a:t>achieved by fitting the model to the training </a:t>
             </a:r>
             <a:r>
               <a:rPr lang="en-US" dirty="0" smtClean="0"/>
@@ -4011,7 +4122,7 @@
         </p:blipFill>
         <p:spPr>
           <a:xfrm>
-            <a:off x="3514358" y="2465021"/>
+            <a:off x="3536661" y="2253148"/>
             <a:ext cx="3381375" cy="1162050"/>
           </a:xfrm>
           <a:prstGeom prst="rect">
@@ -4037,6 +4148,30 @@
           <a:xfrm>
             <a:off x="2135431" y="4608879"/>
             <a:ext cx="6467475" cy="1047750"/>
+          </a:xfrm>
+          <a:prstGeom prst="rect">
+            <a:avLst/>
+          </a:prstGeom>
+        </p:spPr>
+      </p:pic>
+      <p:pic>
+        <p:nvPicPr>
+          <p:cNvPr id="4" name="Picture 3"/>
+          <p:cNvPicPr>
+            <a:picLocks noChangeAspect="1"/>
+          </p:cNvPicPr>
+          <p:nvPr/>
+        </p:nvPicPr>
+        <p:blipFill>
+          <a:blip r:embed="rId4"/>
+          <a:stretch>
+            <a:fillRect/>
+          </a:stretch>
+        </p:blipFill>
+        <p:spPr>
+          <a:xfrm>
+            <a:off x="8956868" y="365125"/>
+            <a:ext cx="1704975" cy="1314450"/>
           </a:xfrm>
           <a:prstGeom prst="rect">
             <a:avLst/>
@@ -4094,7 +4229,11 @@
           <a:bodyPr/>
           <a:lstStyle/>
           <a:p>
-            <a:endParaRPr lang="en-CA"/>
+            <a:r>
+              <a:rPr lang="en-CA" b="1" dirty="0" smtClean="0"/>
+              <a:t>Plot:</a:t>
+            </a:r>
+            <a:endParaRPr lang="en-CA" b="1" dirty="0"/>
           </a:p>
         </p:txBody>
       </p:sp>
@@ -4125,11 +4264,7 @@
             </a:r>
             <a:r>
               <a:rPr lang="en-US" dirty="0" smtClean="0"/>
-              <a:t> is used for drawing the </a:t>
-            </a:r>
-            <a:r>
-              <a:rPr lang="en-US" smtClean="0"/>
-              <a:t>predicted plots</a:t>
+              <a:t> is used for drawing the predicted plots</a:t>
             </a:r>
             <a:endParaRPr lang="en-US" dirty="0"/>
           </a:p>
@@ -4155,7 +4290,31 @@
         <p:spPr>
           <a:xfrm>
             <a:off x="3329598" y="2219568"/>
-            <a:ext cx="5048250" cy="4638431"/>
+            <a:ext cx="5048250" cy="4515769"/>
+          </a:xfrm>
+          <a:prstGeom prst="rect">
+            <a:avLst/>
+          </a:prstGeom>
+        </p:spPr>
+      </p:pic>
+      <p:pic>
+        <p:nvPicPr>
+          <p:cNvPr id="4" name="Picture 3"/>
+          <p:cNvPicPr>
+            <a:picLocks noChangeAspect="1"/>
+          </p:cNvPicPr>
+          <p:nvPr/>
+        </p:nvPicPr>
+        <p:blipFill>
+          <a:blip r:embed="rId3"/>
+          <a:stretch>
+            <a:fillRect/>
+          </a:stretch>
+        </p:blipFill>
+        <p:spPr>
+          <a:xfrm>
+            <a:off x="8247139" y="299243"/>
+            <a:ext cx="2143125" cy="1457325"/>
           </a:xfrm>
           <a:prstGeom prst="rect">
             <a:avLst/>
@@ -4213,7 +4372,15 @@
           <a:bodyPr/>
           <a:lstStyle/>
           <a:p>
-            <a:endParaRPr lang="en-CA"/>
+            <a:r>
+              <a:rPr lang="en-CA" b="1" dirty="0"/>
+              <a:t>h</a:t>
+            </a:r>
+            <a:r>
+              <a:rPr lang="en-CA" b="1" dirty="0" smtClean="0"/>
+              <a:t>tml communication:</a:t>
+            </a:r>
+            <a:endParaRPr lang="en-CA" b="1" dirty="0"/>
           </a:p>
         </p:txBody>
       </p:sp>
@@ -4292,6 +4459,30 @@
           <a:xfrm>
             <a:off x="4728465" y="3077622"/>
             <a:ext cx="2333625" cy="3780378"/>
+          </a:xfrm>
+          <a:prstGeom prst="rect">
+            <a:avLst/>
+          </a:prstGeom>
+        </p:spPr>
+      </p:pic>
+      <p:pic>
+        <p:nvPicPr>
+          <p:cNvPr id="5" name="Picture 4"/>
+          <p:cNvPicPr>
+            <a:picLocks noChangeAspect="1"/>
+          </p:cNvPicPr>
+          <p:nvPr/>
+        </p:nvPicPr>
+        <p:blipFill>
+          <a:blip r:embed="rId3"/>
+          <a:stretch>
+            <a:fillRect/>
+          </a:stretch>
+        </p:blipFill>
+        <p:spPr>
+          <a:xfrm>
+            <a:off x="8553101" y="404018"/>
+            <a:ext cx="2200275" cy="1247775"/>
           </a:xfrm>
           <a:prstGeom prst="rect">
             <a:avLst/>
@@ -4343,7 +4534,11 @@
           <a:bodyPr/>
           <a:lstStyle/>
           <a:p>
-            <a:endParaRPr lang="en-US"/>
+            <a:r>
+              <a:rPr lang="en-US" b="1" dirty="0" smtClean="0"/>
+              <a:t>Front Page:</a:t>
+            </a:r>
+            <a:endParaRPr lang="en-US" b="1" dirty="0"/>
           </a:p>
         </p:txBody>
       </p:sp>
@@ -4362,14 +4557,214 @@
           <a:bodyPr/>
           <a:lstStyle/>
           <a:p>
+            <a:r>
+              <a:rPr lang="en-US" dirty="0" smtClean="0"/>
+              <a:t>The interactive main page provides the user to enter the stock for perdition.</a:t>
+            </a:r>
             <a:endParaRPr lang="en-US" dirty="0"/>
           </a:p>
         </p:txBody>
       </p:sp>
+      <p:pic>
+        <p:nvPicPr>
+          <p:cNvPr id="5" name="Picture 4"/>
+          <p:cNvPicPr>
+            <a:picLocks noChangeAspect="1"/>
+          </p:cNvPicPr>
+          <p:nvPr/>
+        </p:nvPicPr>
+        <p:blipFill>
+          <a:blip r:embed="rId2"/>
+          <a:stretch>
+            <a:fillRect/>
+          </a:stretch>
+        </p:blipFill>
+        <p:spPr>
+          <a:xfrm>
+            <a:off x="659781" y="2639239"/>
+            <a:ext cx="10956538" cy="4218761"/>
+          </a:xfrm>
+          <a:prstGeom prst="rect">
+            <a:avLst/>
+          </a:prstGeom>
+        </p:spPr>
+      </p:pic>
+      <p:pic>
+        <p:nvPicPr>
+          <p:cNvPr id="6" name="Picture 5"/>
+          <p:cNvPicPr>
+            <a:picLocks noChangeAspect="1"/>
+          </p:cNvPicPr>
+          <p:nvPr/>
+        </p:nvPicPr>
+        <p:blipFill>
+          <a:blip r:embed="rId3"/>
+          <a:stretch>
+            <a:fillRect/>
+          </a:stretch>
+        </p:blipFill>
+        <p:spPr>
+          <a:xfrm>
+            <a:off x="8964651" y="256381"/>
+            <a:ext cx="1600200" cy="1543050"/>
+          </a:xfrm>
+          <a:prstGeom prst="rect">
+            <a:avLst/>
+          </a:prstGeom>
+        </p:spPr>
+      </p:pic>
     </p:spTree>
     <p:extLst>
       <p:ext uri="{BB962C8B-B14F-4D97-AF65-F5344CB8AC3E}">
         <p14:creationId xmlns:p14="http://schemas.microsoft.com/office/powerpoint/2010/main" val="1286485135"/>
+      </p:ext>
+    </p:extLst>
+  </p:cSld>
+  <p:clrMapOvr>
+    <a:masterClrMapping/>
+  </p:clrMapOvr>
+</p:sld>
+</file>
+
+<file path=ppt/slides/slide9.xml><?xml version="1.0" encoding="utf-8"?>
+<p:sld xmlns:a="http://schemas.openxmlformats.org/drawingml/2006/main" xmlns:r="http://schemas.openxmlformats.org/officeDocument/2006/relationships" xmlns:p="http://schemas.openxmlformats.org/presentationml/2006/main">
+  <p:cSld>
+    <p:spTree>
+      <p:nvGrpSpPr>
+        <p:cNvPr id="1" name=""/>
+        <p:cNvGrpSpPr/>
+        <p:nvPr/>
+      </p:nvGrpSpPr>
+      <p:grpSpPr>
+        <a:xfrm>
+          <a:off x="0" y="0"/>
+          <a:ext cx="0" cy="0"/>
+          <a:chOff x="0" y="0"/>
+          <a:chExt cx="0" cy="0"/>
+        </a:xfrm>
+      </p:grpSpPr>
+      <p:sp>
+        <p:nvSpPr>
+          <p:cNvPr id="2" name="Title 1"/>
+          <p:cNvSpPr>
+            <a:spLocks noGrp="1"/>
+          </p:cNvSpPr>
+          <p:nvPr>
+            <p:ph type="title"/>
+          </p:nvPr>
+        </p:nvSpPr>
+        <p:spPr/>
+        <p:txBody>
+          <a:bodyPr/>
+          <a:lstStyle/>
+          <a:p>
+            <a:r>
+              <a:rPr lang="en-US" b="1" dirty="0" smtClean="0"/>
+              <a:t>Closer look:</a:t>
+            </a:r>
+            <a:endParaRPr lang="en-US" b="1" dirty="0"/>
+          </a:p>
+        </p:txBody>
+      </p:sp>
+      <p:sp>
+        <p:nvSpPr>
+          <p:cNvPr id="3" name="Content Placeholder 2"/>
+          <p:cNvSpPr>
+            <a:spLocks noGrp="1"/>
+          </p:cNvSpPr>
+          <p:nvPr>
+            <p:ph idx="1"/>
+          </p:nvPr>
+        </p:nvSpPr>
+        <p:spPr/>
+        <p:txBody>
+          <a:bodyPr/>
+          <a:lstStyle/>
+          <a:p>
+            <a:r>
+              <a:rPr lang="en-US" dirty="0" smtClean="0"/>
+              <a:t>By selecting the plots user can see the prediction in a better view</a:t>
+            </a:r>
+            <a:endParaRPr lang="en-US" dirty="0"/>
+          </a:p>
+        </p:txBody>
+      </p:sp>
+      <p:pic>
+        <p:nvPicPr>
+          <p:cNvPr id="5" name="Picture 4"/>
+          <p:cNvPicPr>
+            <a:picLocks noChangeAspect="1"/>
+          </p:cNvPicPr>
+          <p:nvPr/>
+        </p:nvPicPr>
+        <p:blipFill>
+          <a:blip r:embed="rId2"/>
+          <a:stretch>
+            <a:fillRect/>
+          </a:stretch>
+        </p:blipFill>
+        <p:spPr>
+          <a:xfrm>
+            <a:off x="9369696" y="2745059"/>
+            <a:ext cx="1838325" cy="1524000"/>
+          </a:xfrm>
+          <a:prstGeom prst="rect">
+            <a:avLst/>
+          </a:prstGeom>
+        </p:spPr>
+      </p:pic>
+      <p:pic>
+        <p:nvPicPr>
+          <p:cNvPr id="6" name="Picture 5"/>
+          <p:cNvPicPr>
+            <a:picLocks noChangeAspect="1"/>
+          </p:cNvPicPr>
+          <p:nvPr/>
+        </p:nvPicPr>
+        <p:blipFill>
+          <a:blip r:embed="rId3"/>
+          <a:stretch>
+            <a:fillRect/>
+          </a:stretch>
+        </p:blipFill>
+        <p:spPr>
+          <a:xfrm>
+            <a:off x="1386933" y="2598235"/>
+            <a:ext cx="6407770" cy="3713666"/>
+          </a:xfrm>
+          <a:prstGeom prst="rect">
+            <a:avLst/>
+          </a:prstGeom>
+        </p:spPr>
+      </p:pic>
+      <p:pic>
+        <p:nvPicPr>
+          <p:cNvPr id="7" name="Picture 6"/>
+          <p:cNvPicPr>
+            <a:picLocks noChangeAspect="1"/>
+          </p:cNvPicPr>
+          <p:nvPr/>
+        </p:nvPicPr>
+        <p:blipFill>
+          <a:blip r:embed="rId4"/>
+          <a:stretch>
+            <a:fillRect/>
+          </a:stretch>
+        </p:blipFill>
+        <p:spPr>
+          <a:xfrm>
+            <a:off x="9130641" y="444500"/>
+            <a:ext cx="1781175" cy="1381125"/>
+          </a:xfrm>
+          <a:prstGeom prst="rect">
+            <a:avLst/>
+          </a:prstGeom>
+        </p:spPr>
+      </p:pic>
+    </p:spTree>
+    <p:extLst>
+      <p:ext uri="{BB962C8B-B14F-4D97-AF65-F5344CB8AC3E}">
+        <p14:creationId xmlns:p14="http://schemas.microsoft.com/office/powerpoint/2010/main" val="2776893103"/>
       </p:ext>
     </p:extLst>
   </p:cSld>

--- a/Presentation.pptx
+++ b/Presentation.pptx
@@ -14,6 +14,7 @@
     <p:sldId id="262" r:id="rId8"/>
     <p:sldId id="263" r:id="rId9"/>
     <p:sldId id="264" r:id="rId10"/>
+    <p:sldId id="265" r:id="rId11"/>
   </p:sldIdLst>
   <p:sldSz cx="12192000" cy="6858000"/>
   <p:notesSz cx="6858000" cy="9144000"/>
@@ -3475,6 +3476,60 @@
     <p:extLst>
       <p:ext uri="{BB962C8B-B14F-4D97-AF65-F5344CB8AC3E}">
         <p14:creationId xmlns:p14="http://schemas.microsoft.com/office/powerpoint/2010/main" val="1476358209"/>
+      </p:ext>
+    </p:extLst>
+  </p:cSld>
+  <p:clrMapOvr>
+    <a:masterClrMapping/>
+  </p:clrMapOvr>
+</p:sld>
+</file>
+
+<file path=ppt/slides/slide10.xml><?xml version="1.0" encoding="utf-8"?>
+<p:sld xmlns:a="http://schemas.openxmlformats.org/drawingml/2006/main" xmlns:r="http://schemas.openxmlformats.org/officeDocument/2006/relationships" xmlns:p="http://schemas.openxmlformats.org/presentationml/2006/main">
+  <p:cSld>
+    <p:spTree>
+      <p:nvGrpSpPr>
+        <p:cNvPr id="1" name=""/>
+        <p:cNvGrpSpPr/>
+        <p:nvPr/>
+      </p:nvGrpSpPr>
+      <p:grpSpPr>
+        <a:xfrm>
+          <a:off x="0" y="0"/>
+          <a:ext cx="0" cy="0"/>
+          <a:chOff x="0" y="0"/>
+          <a:chExt cx="0" cy="0"/>
+        </a:xfrm>
+      </p:grpSpPr>
+      <p:pic>
+        <p:nvPicPr>
+          <p:cNvPr id="4" name="Picture 3"/>
+          <p:cNvPicPr>
+            <a:picLocks noChangeAspect="1"/>
+          </p:cNvPicPr>
+          <p:nvPr/>
+        </p:nvPicPr>
+        <p:blipFill>
+          <a:blip r:embed="rId2"/>
+          <a:stretch>
+            <a:fillRect/>
+          </a:stretch>
+        </p:blipFill>
+        <p:spPr>
+          <a:xfrm>
+            <a:off x="2009078" y="1668385"/>
+            <a:ext cx="8294649" cy="4006463"/>
+          </a:xfrm>
+          <a:prstGeom prst="rect">
+            <a:avLst/>
+          </a:prstGeom>
+        </p:spPr>
+      </p:pic>
+    </p:spTree>
+    <p:extLst>
+      <p:ext uri="{BB962C8B-B14F-4D97-AF65-F5344CB8AC3E}">
+        <p14:creationId xmlns:p14="http://schemas.microsoft.com/office/powerpoint/2010/main" val="4107002420"/>
       </p:ext>
     </p:extLst>
   </p:cSld>

--- a/Presentation.pptx
+++ b/Presentation.pptx
@@ -270,7 +270,7 @@
           <a:p>
             <a:fld id="{D456F96D-4893-4AAB-A2D7-56C738093E9B}" type="datetimeFigureOut">
               <a:rPr lang="en-CA" smtClean="0"/>
-              <a:t>2021-03-23</a:t>
+              <a:t>2021-03-24</a:t>
             </a:fld>
             <a:endParaRPr lang="en-CA"/>
           </a:p>
@@ -470,7 +470,7 @@
           <a:p>
             <a:fld id="{D456F96D-4893-4AAB-A2D7-56C738093E9B}" type="datetimeFigureOut">
               <a:rPr lang="en-CA" smtClean="0"/>
-              <a:t>2021-03-23</a:t>
+              <a:t>2021-03-24</a:t>
             </a:fld>
             <a:endParaRPr lang="en-CA"/>
           </a:p>
@@ -680,7 +680,7 @@
           <a:p>
             <a:fld id="{D456F96D-4893-4AAB-A2D7-56C738093E9B}" type="datetimeFigureOut">
               <a:rPr lang="en-CA" smtClean="0"/>
-              <a:t>2021-03-23</a:t>
+              <a:t>2021-03-24</a:t>
             </a:fld>
             <a:endParaRPr lang="en-CA"/>
           </a:p>
@@ -880,7 +880,7 @@
           <a:p>
             <a:fld id="{D456F96D-4893-4AAB-A2D7-56C738093E9B}" type="datetimeFigureOut">
               <a:rPr lang="en-CA" smtClean="0"/>
-              <a:t>2021-03-23</a:t>
+              <a:t>2021-03-24</a:t>
             </a:fld>
             <a:endParaRPr lang="en-CA"/>
           </a:p>
@@ -1156,7 +1156,7 @@
           <a:p>
             <a:fld id="{D456F96D-4893-4AAB-A2D7-56C738093E9B}" type="datetimeFigureOut">
               <a:rPr lang="en-CA" smtClean="0"/>
-              <a:t>2021-03-23</a:t>
+              <a:t>2021-03-24</a:t>
             </a:fld>
             <a:endParaRPr lang="en-CA"/>
           </a:p>
@@ -1424,7 +1424,7 @@
           <a:p>
             <a:fld id="{D456F96D-4893-4AAB-A2D7-56C738093E9B}" type="datetimeFigureOut">
               <a:rPr lang="en-CA" smtClean="0"/>
-              <a:t>2021-03-23</a:t>
+              <a:t>2021-03-24</a:t>
             </a:fld>
             <a:endParaRPr lang="en-CA"/>
           </a:p>
@@ -1839,7 +1839,7 @@
           <a:p>
             <a:fld id="{D456F96D-4893-4AAB-A2D7-56C738093E9B}" type="datetimeFigureOut">
               <a:rPr lang="en-CA" smtClean="0"/>
-              <a:t>2021-03-23</a:t>
+              <a:t>2021-03-24</a:t>
             </a:fld>
             <a:endParaRPr lang="en-CA"/>
           </a:p>
@@ -1981,7 +1981,7 @@
           <a:p>
             <a:fld id="{D456F96D-4893-4AAB-A2D7-56C738093E9B}" type="datetimeFigureOut">
               <a:rPr lang="en-CA" smtClean="0"/>
-              <a:t>2021-03-23</a:t>
+              <a:t>2021-03-24</a:t>
             </a:fld>
             <a:endParaRPr lang="en-CA"/>
           </a:p>
@@ -2094,7 +2094,7 @@
           <a:p>
             <a:fld id="{D456F96D-4893-4AAB-A2D7-56C738093E9B}" type="datetimeFigureOut">
               <a:rPr lang="en-CA" smtClean="0"/>
-              <a:t>2021-03-23</a:t>
+              <a:t>2021-03-24</a:t>
             </a:fld>
             <a:endParaRPr lang="en-CA"/>
           </a:p>
@@ -2407,7 +2407,7 @@
           <a:p>
             <a:fld id="{D456F96D-4893-4AAB-A2D7-56C738093E9B}" type="datetimeFigureOut">
               <a:rPr lang="en-CA" smtClean="0"/>
-              <a:t>2021-03-23</a:t>
+              <a:t>2021-03-24</a:t>
             </a:fld>
             <a:endParaRPr lang="en-CA"/>
           </a:p>
@@ -2696,7 +2696,7 @@
           <a:p>
             <a:fld id="{D456F96D-4893-4AAB-A2D7-56C738093E9B}" type="datetimeFigureOut">
               <a:rPr lang="en-CA" smtClean="0"/>
-              <a:t>2021-03-23</a:t>
+              <a:t>2021-03-24</a:t>
             </a:fld>
             <a:endParaRPr lang="en-CA"/>
           </a:p>
@@ -2939,7 +2939,7 @@
           <a:p>
             <a:fld id="{D456F96D-4893-4AAB-A2D7-56C738093E9B}" type="datetimeFigureOut">
               <a:rPr lang="en-CA" smtClean="0"/>
-              <a:t>2021-03-23</a:t>
+              <a:t>2021-03-24</a:t>
             </a:fld>
             <a:endParaRPr lang="en-CA"/>
           </a:p>
@@ -3425,6 +3425,10 @@
               <a:rPr lang="en-US" b="1" dirty="0" err="1" smtClean="0"/>
               <a:t>Loic</a:t>
             </a:r>
+            <a:r>
+              <a:rPr lang="en-US" b="1" dirty="0" smtClean="0"/>
+              <a:t> </a:t>
+            </a:r>
             <a:endParaRPr lang="en-US" b="1" dirty="0"/>
           </a:p>
           <a:p>
@@ -3441,8 +3445,8 @@
           </a:p>
           <a:p>
             <a:r>
-              <a:rPr lang="en-US" b="1" dirty="0"/>
-              <a:t>Hazim Hamadneh</a:t>
+              <a:rPr lang="en-US" b="1" dirty="0" err="1" smtClean="0"/>
+              <a:t>Hazim</a:t>
             </a:r>
             <a:endParaRPr lang="en-CA" b="1" dirty="0"/>
           </a:p>
@@ -3482,6 +3486,13 @@
   <p:clrMapOvr>
     <a:masterClrMapping/>
   </p:clrMapOvr>
+  <p:timing>
+    <p:tnLst>
+      <p:par>
+        <p:cTn id="1" dur="indefinite" restart="never" nodeType="tmRoot"/>
+      </p:par>
+    </p:tnLst>
+  </p:timing>
 </p:sld>
 </file>
 
@@ -3620,8 +3631,45 @@
                 <a:effectLst/>
                 <a:latin typeface="Helvetica Neue"/>
               </a:rPr>
-              <a:t>The Purpose of this project is to forecast stocks using Python Code. Using the historical and latest stocks prices assisted in using Time series forecast. Facebook prophet is used for this forecast.</a:t>
-            </a:r>
+              <a:t>The Purpose of this project is to forecast stocks using Python Code. Using the historical and latest stocks prices assisted in using Time series forecast. Facebook prophet </a:t>
+            </a:r>
+            <a:r>
+              <a:rPr lang="en-US" b="0" i="0" dirty="0" smtClean="0">
+                <a:solidFill>
+                  <a:srgbClr val="333333"/>
+                </a:solidFill>
+                <a:effectLst/>
+                <a:latin typeface="Helvetica Neue"/>
+              </a:rPr>
+              <a:t>and Linear regression are </a:t>
+            </a:r>
+            <a:r>
+              <a:rPr lang="en-US" b="0" i="0" dirty="0">
+                <a:solidFill>
+                  <a:srgbClr val="333333"/>
+                </a:solidFill>
+                <a:effectLst/>
+                <a:latin typeface="Helvetica Neue"/>
+              </a:rPr>
+              <a:t>used for this </a:t>
+            </a:r>
+            <a:r>
+              <a:rPr lang="en-US" b="0" i="0" dirty="0" smtClean="0">
+                <a:solidFill>
+                  <a:srgbClr val="333333"/>
+                </a:solidFill>
+                <a:effectLst/>
+                <a:latin typeface="Helvetica Neue"/>
+              </a:rPr>
+              <a:t>forecast and for comparing the results.</a:t>
+            </a:r>
+            <a:endParaRPr lang="en-US" b="0" i="0" dirty="0">
+              <a:solidFill>
+                <a:srgbClr val="333333"/>
+              </a:solidFill>
+              <a:effectLst/>
+              <a:latin typeface="Helvetica Neue"/>
+            </a:endParaRPr>
           </a:p>
           <a:p>
             <a:pPr algn="l"/>
@@ -3695,6 +3743,13 @@
   <p:clrMapOvr>
     <a:masterClrMapping/>
   </p:clrMapOvr>
+  <p:timing>
+    <p:tnLst>
+      <p:par>
+        <p:cTn id="1" dur="indefinite" restart="never" nodeType="tmRoot"/>
+      </p:par>
+    </p:tnLst>
+  </p:timing>
 </p:sld>
 </file>
 
@@ -3770,7 +3825,15 @@
             </a:pPr>
             <a:r>
               <a:rPr lang="en-US" dirty="0"/>
-              <a:t> prediction consider </a:t>
+              <a:t> </a:t>
+            </a:r>
+            <a:r>
+              <a:rPr lang="en-US" dirty="0" smtClean="0"/>
+              <a:t>FP Prophet prediction </a:t>
+            </a:r>
+            <a:r>
+              <a:rPr lang="en-US" dirty="0"/>
+              <a:t>consider </a:t>
             </a:r>
           </a:p>
           <a:p>
@@ -3798,19 +3861,46 @@
             <a:pPr lvl="1"/>
             <a:r>
               <a:rPr lang="en-US" dirty="0"/>
-              <a:t>The volume</a:t>
-            </a:r>
+              <a:t>The </a:t>
+            </a:r>
+            <a:r>
+              <a:rPr lang="en-US" dirty="0" smtClean="0"/>
+              <a:t>volume</a:t>
+            </a:r>
+          </a:p>
+          <a:p>
+            <a:pPr marL="0" indent="0">
+              <a:buNone/>
+            </a:pPr>
+            <a:r>
+              <a:rPr lang="en-US" dirty="0" smtClean="0"/>
+              <a:t>Linear regression prediction </a:t>
+            </a:r>
+            <a:r>
+              <a:rPr lang="en-US" dirty="0"/>
+              <a:t>consider </a:t>
+            </a:r>
+            <a:r>
+              <a:rPr lang="en-US" dirty="0" smtClean="0"/>
+              <a:t> Closing price only.</a:t>
+            </a:r>
+            <a:endParaRPr lang="en-US" dirty="0"/>
           </a:p>
           <a:p>
             <a:pPr lvl="1"/>
+            <a:r>
+              <a:rPr lang="en-US" dirty="0" smtClean="0"/>
+              <a:t>The </a:t>
+            </a:r>
+            <a:r>
+              <a:rPr lang="en-US" dirty="0"/>
+              <a:t>source used to get the stock prices is </a:t>
+            </a:r>
+            <a:r>
+              <a:rPr lang="en-US" dirty="0" smtClean="0"/>
+              <a:t>Alpha-vantage</a:t>
+            </a:r>
             <a:endParaRPr lang="en-US" dirty="0"/>
-          </a:p>
-          <a:p>
-            <a:pPr lvl="1"/>
-            <a:r>
-              <a:rPr lang="en-US" dirty="0"/>
-              <a:t>The source used to get the stock prices is the Alpha-vantage</a:t>
-            </a:r>
           </a:p>
           <a:p>
             <a:pPr lvl="1"/>
@@ -3893,6 +3983,13 @@
   <p:clrMapOvr>
     <a:masterClrMapping/>
   </p:clrMapOvr>
+  <p:timing>
+    <p:tnLst>
+      <p:par>
+        <p:cTn id="1" dur="indefinite" restart="never" nodeType="tmRoot"/>
+      </p:par>
+    </p:tnLst>
+  </p:timing>
 </p:sld>
 </file>
 
@@ -3968,8 +4065,8 @@
               <a:t>Via </a:t>
             </a:r>
             <a:r>
-              <a:rPr lang="en-US" dirty="0" err="1"/>
-              <a:t>Fbprophet</a:t>
+              <a:rPr lang="en-US" dirty="0" err="1" smtClean="0"/>
+              <a:t>FBprophet</a:t>
             </a:r>
             <a:r>
               <a:rPr lang="en-US" dirty="0"/>
@@ -4003,7 +4100,7 @@
         </p:blipFill>
         <p:spPr>
           <a:xfrm>
-            <a:off x="3104783" y="2407480"/>
+            <a:off x="2987551" y="2545373"/>
             <a:ext cx="5419725" cy="3562350"/>
           </a:xfrm>
           <a:prstGeom prst="rect">
@@ -4045,6 +4142,13 @@
   <p:clrMapOvr>
     <a:masterClrMapping/>
   </p:clrMapOvr>
+  <p:timing>
+    <p:tnLst>
+      <p:par>
+        <p:cTn id="1" dur="indefinite" restart="never" nodeType="tmRoot"/>
+      </p:par>
+    </p:tnLst>
+  </p:timing>
 </p:sld>
 </file>
 
@@ -4116,16 +4220,12 @@
           <a:lstStyle/>
           <a:p>
             <a:r>
-              <a:rPr lang="en-US" dirty="0"/>
-              <a:t>This </a:t>
-            </a:r>
-            <a:r>
-              <a:rPr lang="en-US" dirty="0" err="1" smtClean="0"/>
-              <a:t>predition</a:t>
-            </a:r>
-            <a:r>
               <a:rPr lang="en-US" dirty="0" smtClean="0"/>
-              <a:t> is </a:t>
+              <a:t>FB prediction </a:t>
+            </a:r>
+            <a:r>
+              <a:rPr lang="en-US" dirty="0" smtClean="0"/>
+              <a:t>is </a:t>
             </a:r>
             <a:r>
               <a:rPr lang="en-US" dirty="0"/>
@@ -4140,19 +4240,32 @@
             <a:endParaRPr lang="en-US" dirty="0"/>
           </a:p>
           <a:p>
-            <a:endParaRPr lang="en-CA" dirty="0"/>
+            <a:endParaRPr lang="en-US" dirty="0" smtClean="0"/>
           </a:p>
           <a:p>
             <a:r>
               <a:rPr lang="en-US" dirty="0" smtClean="0"/>
-              <a:t> The data frame for future dates are made for forecasting via </a:t>
-            </a:r>
-            <a:r>
-              <a:rPr lang="en-US" u="sng" dirty="0" err="1" smtClean="0"/>
+              <a:t>LR prediction is achieved by fitting the date and the closing price to LR model</a:t>
+            </a:r>
+          </a:p>
+          <a:p>
+            <a:endParaRPr lang="en-US" dirty="0" smtClean="0"/>
+          </a:p>
+          <a:p>
+            <a:r>
+              <a:rPr lang="en-US" sz="2400" dirty="0" smtClean="0"/>
+              <a:t> </a:t>
+            </a:r>
+            <a:r>
+              <a:rPr lang="en-US" sz="2400" dirty="0" smtClean="0"/>
+              <a:t>The data frame for future dates are made for forecasting via </a:t>
+            </a:r>
+            <a:r>
+              <a:rPr lang="en-US" sz="2400" u="sng" dirty="0" err="1" smtClean="0"/>
               <a:t>make_future_dataframe</a:t>
             </a:r>
             <a:r>
-              <a:rPr lang="en-US" dirty="0" smtClean="0"/>
+              <a:rPr lang="en-US" sz="2400" dirty="0" smtClean="0"/>
               <a:t> function</a:t>
             </a:r>
           </a:p>
@@ -4177,8 +4290,8 @@
         </p:blipFill>
         <p:spPr>
           <a:xfrm>
-            <a:off x="3536661" y="2253148"/>
-            <a:ext cx="3381375" cy="1162050"/>
+            <a:off x="3536660" y="2205794"/>
+            <a:ext cx="3381375" cy="734647"/>
           </a:xfrm>
           <a:prstGeom prst="rect">
             <a:avLst/>
@@ -4201,7 +4314,7 @@
         </p:blipFill>
         <p:spPr>
           <a:xfrm>
-            <a:off x="2135431" y="4608879"/>
+            <a:off x="2489393" y="5501027"/>
             <a:ext cx="6467475" cy="1047750"/>
           </a:xfrm>
           <a:prstGeom prst="rect">
@@ -4227,6 +4340,30 @@
           <a:xfrm>
             <a:off x="8956868" y="365125"/>
             <a:ext cx="1704975" cy="1314450"/>
+          </a:xfrm>
+          <a:prstGeom prst="rect">
+            <a:avLst/>
+          </a:prstGeom>
+        </p:spPr>
+      </p:pic>
+      <p:pic>
+        <p:nvPicPr>
+          <p:cNvPr id="7" name="Picture 6"/>
+          <p:cNvPicPr>
+            <a:picLocks noChangeAspect="1"/>
+          </p:cNvPicPr>
+          <p:nvPr/>
+        </p:nvPicPr>
+        <p:blipFill>
+          <a:blip r:embed="rId5"/>
+          <a:stretch>
+            <a:fillRect/>
+          </a:stretch>
+        </p:blipFill>
+        <p:spPr>
+          <a:xfrm>
+            <a:off x="3874310" y="3906409"/>
+            <a:ext cx="2971800" cy="628650"/>
           </a:xfrm>
           <a:prstGeom prst="rect">
             <a:avLst/>
@@ -4462,7 +4599,19 @@
           <a:p>
             <a:r>
               <a:rPr lang="en-US" dirty="0" smtClean="0"/>
-              <a:t>In this project we use two html file, one Flask/</a:t>
+              <a:t>In this project we use </a:t>
+            </a:r>
+            <a:r>
+              <a:rPr lang="en-US" dirty="0" smtClean="0"/>
+              <a:t>three</a:t>
+            </a:r>
+            <a:r>
+              <a:rPr lang="en-US" dirty="0" smtClean="0"/>
+              <a:t> </a:t>
+            </a:r>
+            <a:r>
+              <a:rPr lang="en-US" dirty="0" smtClean="0"/>
+              <a:t>html file, one Flask/</a:t>
             </a:r>
             <a:r>
               <a:rPr lang="en-US" dirty="0" err="1" smtClean="0"/>
@@ -4484,7 +4633,11 @@
           <a:p>
             <a:r>
               <a:rPr lang="en-US" dirty="0" smtClean="0"/>
-              <a:t>Index.html is for the main page of the project, and stock-info.html is the file for presenting the Financial report of the stock.</a:t>
+              <a:t>Index.html is for the main page of the project, and stock-info.html is the file for presenting the Financial report of the stock</a:t>
+            </a:r>
+            <a:r>
+              <a:rPr lang="en-US" dirty="0" smtClean="0"/>
+              <a:t>. Alpha-Vantage is for displaying the downloaded raw data.</a:t>
             </a:r>
             <a:endParaRPr lang="en-US" dirty="0"/>
           </a:p>
@@ -4498,7 +4651,7 @@
       </p:sp>
       <p:pic>
         <p:nvPicPr>
-          <p:cNvPr id="4" name="Picture 3"/>
+          <p:cNvPr id="5" name="Picture 4"/>
           <p:cNvPicPr>
             <a:picLocks noChangeAspect="1"/>
           </p:cNvPicPr>
@@ -4512,8 +4665,8 @@
         </p:blipFill>
         <p:spPr>
           <a:xfrm>
-            <a:off x="4728465" y="3077622"/>
-            <a:ext cx="2333625" cy="3780378"/>
+            <a:off x="8553101" y="404018"/>
+            <a:ext cx="2200275" cy="1247775"/>
           </a:xfrm>
           <a:prstGeom prst="rect">
             <a:avLst/>
@@ -4522,7 +4675,7 @@
       </p:pic>
       <p:pic>
         <p:nvPicPr>
-          <p:cNvPr id="5" name="Picture 4"/>
+          <p:cNvPr id="6" name="Picture 5"/>
           <p:cNvPicPr>
             <a:picLocks noChangeAspect="1"/>
           </p:cNvPicPr>
@@ -4536,8 +4689,8 @@
         </p:blipFill>
         <p:spPr>
           <a:xfrm>
-            <a:off x="8553101" y="404018"/>
-            <a:ext cx="2200275" cy="1247775"/>
+            <a:off x="2479675" y="3509107"/>
+            <a:ext cx="6419850" cy="3227755"/>
           </a:xfrm>
           <a:prstGeom prst="rect">
             <a:avLst/>

--- a/Presentation.pptx
+++ b/Presentation.pptx
@@ -4221,11 +4221,7 @@
           <a:p>
             <a:r>
               <a:rPr lang="en-US" dirty="0" smtClean="0"/>
-              <a:t>FB prediction </a:t>
-            </a:r>
-            <a:r>
-              <a:rPr lang="en-US" dirty="0" smtClean="0"/>
-              <a:t>is </a:t>
+              <a:t>FB prediction is </a:t>
             </a:r>
             <a:r>
               <a:rPr lang="en-US" dirty="0"/>
@@ -4254,11 +4250,7 @@
           <a:p>
             <a:r>
               <a:rPr lang="en-US" sz="2400" dirty="0" smtClean="0"/>
-              <a:t> </a:t>
-            </a:r>
-            <a:r>
-              <a:rPr lang="en-US" sz="2400" dirty="0" smtClean="0"/>
-              <a:t>The data frame for future dates are made for forecasting via </a:t>
+              <a:t> The data frame for future dates are made for forecasting via </a:t>
             </a:r>
             <a:r>
               <a:rPr lang="en-US" sz="2400" u="sng" dirty="0" err="1" smtClean="0"/>
@@ -4599,19 +4591,7 @@
           <a:p>
             <a:r>
               <a:rPr lang="en-US" dirty="0" smtClean="0"/>
-              <a:t>In this project we use </a:t>
-            </a:r>
-            <a:r>
-              <a:rPr lang="en-US" dirty="0" smtClean="0"/>
-              <a:t>three</a:t>
-            </a:r>
-            <a:r>
-              <a:rPr lang="en-US" dirty="0" smtClean="0"/>
-              <a:t> </a:t>
-            </a:r>
-            <a:r>
-              <a:rPr lang="en-US" dirty="0" smtClean="0"/>
-              <a:t>html file, one Flask/</a:t>
+              <a:t>In this project we use three html file, one Flask/</a:t>
             </a:r>
             <a:r>
               <a:rPr lang="en-US" dirty="0" err="1" smtClean="0"/>
@@ -4633,11 +4613,7 @@
           <a:p>
             <a:r>
               <a:rPr lang="en-US" dirty="0" smtClean="0"/>
-              <a:t>Index.html is for the main page of the project, and stock-info.html is the file for presenting the Financial report of the stock</a:t>
-            </a:r>
-            <a:r>
-              <a:rPr lang="en-US" dirty="0" smtClean="0"/>
-              <a:t>. Alpha-Vantage is for displaying the downloaded raw data.</a:t>
+              <a:t>Index.html is for the main page of the project, and stock-info.html is the file for presenting the Financial report of the stock. Alpha-Vantage is for displaying the downloaded raw data.</a:t>
             </a:r>
             <a:endParaRPr lang="en-US" dirty="0"/>
           </a:p>
@@ -4775,7 +4751,7 @@
       </p:sp>
       <p:pic>
         <p:nvPicPr>
-          <p:cNvPr id="5" name="Picture 4"/>
+          <p:cNvPr id="6" name="Picture 5"/>
           <p:cNvPicPr>
             <a:picLocks noChangeAspect="1"/>
           </p:cNvPicPr>
@@ -4789,8 +4765,8 @@
         </p:blipFill>
         <p:spPr>
           <a:xfrm>
-            <a:off x="659781" y="2639239"/>
-            <a:ext cx="10956538" cy="4218761"/>
+            <a:off x="8964651" y="256381"/>
+            <a:ext cx="1600200" cy="1543050"/>
           </a:xfrm>
           <a:prstGeom prst="rect">
             <a:avLst/>
@@ -4799,7 +4775,7 @@
       </p:pic>
       <p:pic>
         <p:nvPicPr>
-          <p:cNvPr id="6" name="Picture 5"/>
+          <p:cNvPr id="4" name="Picture 3"/>
           <p:cNvPicPr>
             <a:picLocks noChangeAspect="1"/>
           </p:cNvPicPr>
@@ -4813,8 +4789,8 @@
         </p:blipFill>
         <p:spPr>
           <a:xfrm>
-            <a:off x="8964651" y="256381"/>
-            <a:ext cx="1600200" cy="1543050"/>
+            <a:off x="3015595" y="2383693"/>
+            <a:ext cx="5715000" cy="4407877"/>
           </a:xfrm>
           <a:prstGeom prst="rect">
             <a:avLst/>
@@ -4891,7 +4867,15 @@
           <a:p>
             <a:r>
               <a:rPr lang="en-US" dirty="0" smtClean="0"/>
-              <a:t>By selecting the plots user can see the prediction in a better view</a:t>
+              <a:t>By selecting the </a:t>
+            </a:r>
+            <a:r>
+              <a:rPr lang="en-US" dirty="0" smtClean="0"/>
+              <a:t>plots, </a:t>
+            </a:r>
+            <a:r>
+              <a:rPr lang="en-US" dirty="0" smtClean="0"/>
+              <a:t>user can see the prediction in a better view</a:t>
             </a:r>
             <a:endParaRPr lang="en-US" dirty="0"/>
           </a:p>
